--- a/ppt 16-9/0607.弦外之歌.pptx
+++ b/ppt 16-9/0607.弦外之歌.pptx
@@ -129,7 +129,7 @@
           <p:cNvPr id="2" name="标题 1">
             <a:extLst>
               <a:ext uri="{FF2B5EF4-FFF2-40B4-BE49-F238E27FC236}">
-                <a16:creationId xmlns:a16="http://schemas.microsoft.com/office/drawing/2014/main" id="{AC2B30EB-FCC0-D111-9350-CF0A5B48A6FD}"/>
+                <a16:creationId xmlns:a16="http://schemas.microsoft.com/office/drawing/2014/main" id="{61AAEBDA-D31B-E870-5678-99EE8A90F670}"/>
               </a:ext>
             </a:extLst>
           </p:cNvPr>
@@ -166,7 +166,7 @@
           <p:cNvPr id="3" name="副标题 2">
             <a:extLst>
               <a:ext uri="{FF2B5EF4-FFF2-40B4-BE49-F238E27FC236}">
-                <a16:creationId xmlns:a16="http://schemas.microsoft.com/office/drawing/2014/main" id="{B4D51EA9-2D5A-EB11-CB74-289EB15DCE39}"/>
+                <a16:creationId xmlns:a16="http://schemas.microsoft.com/office/drawing/2014/main" id="{C2C3906A-259A-0527-C05D-37C1F54722B1}"/>
               </a:ext>
             </a:extLst>
           </p:cNvPr>
@@ -236,7 +236,7 @@
           <p:cNvPr id="4" name="日期占位符 3">
             <a:extLst>
               <a:ext uri="{FF2B5EF4-FFF2-40B4-BE49-F238E27FC236}">
-                <a16:creationId xmlns:a16="http://schemas.microsoft.com/office/drawing/2014/main" id="{49600364-0CF5-6BF1-C6DF-010E4AECE833}"/>
+                <a16:creationId xmlns:a16="http://schemas.microsoft.com/office/drawing/2014/main" id="{FB4DCF1C-CE05-1DBA-30ED-2A5ED591E9D0}"/>
               </a:ext>
             </a:extLst>
           </p:cNvPr>
@@ -252,7 +252,7 @@
           <a:bodyPr/>
           <a:lstStyle/>
           <a:p>
-            <a:fld id="{8EE44558-BB0D-437F-9AB7-CEAA61DCB975}" type="datetimeFigureOut">
+            <a:fld id="{B9D9CBDF-131C-4F04-A853-DDA220237963}" type="datetimeFigureOut">
               <a:rPr lang="zh-CN" altLang="en-US" smtClean="0"/>
               <a:t>2024/3/10</a:t>
             </a:fld>
@@ -265,7 +265,7 @@
           <p:cNvPr id="5" name="页脚占位符 4">
             <a:extLst>
               <a:ext uri="{FF2B5EF4-FFF2-40B4-BE49-F238E27FC236}">
-                <a16:creationId xmlns:a16="http://schemas.microsoft.com/office/drawing/2014/main" id="{DDD633DF-5ED3-B3E9-2D60-8D21E2F627C4}"/>
+                <a16:creationId xmlns:a16="http://schemas.microsoft.com/office/drawing/2014/main" id="{2ED09C9C-668B-F3D8-4096-79EF619C5026}"/>
               </a:ext>
             </a:extLst>
           </p:cNvPr>
@@ -290,7 +290,7 @@
           <p:cNvPr id="6" name="灯片编号占位符 5">
             <a:extLst>
               <a:ext uri="{FF2B5EF4-FFF2-40B4-BE49-F238E27FC236}">
-                <a16:creationId xmlns:a16="http://schemas.microsoft.com/office/drawing/2014/main" id="{5BB0E3BB-0C66-EF06-5BCB-D763A27A1CD9}"/>
+                <a16:creationId xmlns:a16="http://schemas.microsoft.com/office/drawing/2014/main" id="{451B61D0-F6A2-0E18-F50A-F83652346D50}"/>
               </a:ext>
             </a:extLst>
           </p:cNvPr>
@@ -306,7 +306,7 @@
           <a:bodyPr/>
           <a:lstStyle/>
           <a:p>
-            <a:fld id="{B1560356-E4EE-49CA-9A03-435262E6FF4B}" type="slidenum">
+            <a:fld id="{CBF4BDDB-C9E2-40DD-8263-4E1703170D5B}" type="slidenum">
               <a:rPr lang="zh-CN" altLang="en-US" smtClean="0"/>
               <a:t>‹#›</a:t>
             </a:fld>
@@ -317,7 +317,7 @@
     </p:spTree>
     <p:extLst>
       <p:ext uri="{BB962C8B-B14F-4D97-AF65-F5344CB8AC3E}">
-        <p14:creationId xmlns:p14="http://schemas.microsoft.com/office/powerpoint/2010/main" val="1460376717"/>
+        <p14:creationId xmlns:p14="http://schemas.microsoft.com/office/powerpoint/2010/main" val="4292603824"/>
       </p:ext>
     </p:extLst>
   </p:cSld>
@@ -349,7 +349,7 @@
           <p:cNvPr id="2" name="标题 1">
             <a:extLst>
               <a:ext uri="{FF2B5EF4-FFF2-40B4-BE49-F238E27FC236}">
-                <a16:creationId xmlns:a16="http://schemas.microsoft.com/office/drawing/2014/main" id="{242F934E-4269-D0A2-E8E2-A7E6C992A4E8}"/>
+                <a16:creationId xmlns:a16="http://schemas.microsoft.com/office/drawing/2014/main" id="{4F570142-9963-A84F-BC24-D3F9D5B599F3}"/>
               </a:ext>
             </a:extLst>
           </p:cNvPr>
@@ -377,7 +377,7 @@
           <p:cNvPr id="3" name="竖排文字占位符 2">
             <a:extLst>
               <a:ext uri="{FF2B5EF4-FFF2-40B4-BE49-F238E27FC236}">
-                <a16:creationId xmlns:a16="http://schemas.microsoft.com/office/drawing/2014/main" id="{49B4BD3A-CD7F-3657-3637-A3760B24D8D5}"/>
+                <a16:creationId xmlns:a16="http://schemas.microsoft.com/office/drawing/2014/main" id="{E8367668-F499-E633-10D7-2BDA111DF782}"/>
               </a:ext>
             </a:extLst>
           </p:cNvPr>
@@ -434,7 +434,7 @@
           <p:cNvPr id="4" name="日期占位符 3">
             <a:extLst>
               <a:ext uri="{FF2B5EF4-FFF2-40B4-BE49-F238E27FC236}">
-                <a16:creationId xmlns:a16="http://schemas.microsoft.com/office/drawing/2014/main" id="{25CD1706-949C-0654-DDA6-BC6E71816347}"/>
+                <a16:creationId xmlns:a16="http://schemas.microsoft.com/office/drawing/2014/main" id="{C16282D1-9C23-84DA-C1FD-164F4C630C06}"/>
               </a:ext>
             </a:extLst>
           </p:cNvPr>
@@ -450,7 +450,7 @@
           <a:bodyPr/>
           <a:lstStyle/>
           <a:p>
-            <a:fld id="{8EE44558-BB0D-437F-9AB7-CEAA61DCB975}" type="datetimeFigureOut">
+            <a:fld id="{B9D9CBDF-131C-4F04-A853-DDA220237963}" type="datetimeFigureOut">
               <a:rPr lang="zh-CN" altLang="en-US" smtClean="0"/>
               <a:t>2024/3/10</a:t>
             </a:fld>
@@ -463,7 +463,7 @@
           <p:cNvPr id="5" name="页脚占位符 4">
             <a:extLst>
               <a:ext uri="{FF2B5EF4-FFF2-40B4-BE49-F238E27FC236}">
-                <a16:creationId xmlns:a16="http://schemas.microsoft.com/office/drawing/2014/main" id="{EB50323A-BF21-259D-8253-BE17447E126D}"/>
+                <a16:creationId xmlns:a16="http://schemas.microsoft.com/office/drawing/2014/main" id="{6D8C6B9D-924A-C027-B744-83DFB4E48750}"/>
               </a:ext>
             </a:extLst>
           </p:cNvPr>
@@ -488,7 +488,7 @@
           <p:cNvPr id="6" name="灯片编号占位符 5">
             <a:extLst>
               <a:ext uri="{FF2B5EF4-FFF2-40B4-BE49-F238E27FC236}">
-                <a16:creationId xmlns:a16="http://schemas.microsoft.com/office/drawing/2014/main" id="{5AAF8B4E-AFDF-2DB9-83D4-2D6C1390CB34}"/>
+                <a16:creationId xmlns:a16="http://schemas.microsoft.com/office/drawing/2014/main" id="{546DB6C9-0A07-ADBF-CA63-B6A281862BCF}"/>
               </a:ext>
             </a:extLst>
           </p:cNvPr>
@@ -504,7 +504,7 @@
           <a:bodyPr/>
           <a:lstStyle/>
           <a:p>
-            <a:fld id="{B1560356-E4EE-49CA-9A03-435262E6FF4B}" type="slidenum">
+            <a:fld id="{CBF4BDDB-C9E2-40DD-8263-4E1703170D5B}" type="slidenum">
               <a:rPr lang="zh-CN" altLang="en-US" smtClean="0"/>
               <a:t>‹#›</a:t>
             </a:fld>
@@ -515,7 +515,7 @@
     </p:spTree>
     <p:extLst>
       <p:ext uri="{BB962C8B-B14F-4D97-AF65-F5344CB8AC3E}">
-        <p14:creationId xmlns:p14="http://schemas.microsoft.com/office/powerpoint/2010/main" val="4082187294"/>
+        <p14:creationId xmlns:p14="http://schemas.microsoft.com/office/powerpoint/2010/main" val="3568282305"/>
       </p:ext>
     </p:extLst>
   </p:cSld>
@@ -547,7 +547,7 @@
           <p:cNvPr id="2" name="竖排标题 1">
             <a:extLst>
               <a:ext uri="{FF2B5EF4-FFF2-40B4-BE49-F238E27FC236}">
-                <a16:creationId xmlns:a16="http://schemas.microsoft.com/office/drawing/2014/main" id="{1C65BE48-24AF-23C0-E668-689A8F7DD0BE}"/>
+                <a16:creationId xmlns:a16="http://schemas.microsoft.com/office/drawing/2014/main" id="{51E12566-46A7-A73E-D0E0-7E923198BE32}"/>
               </a:ext>
             </a:extLst>
           </p:cNvPr>
@@ -580,7 +580,7 @@
           <p:cNvPr id="3" name="竖排文字占位符 2">
             <a:extLst>
               <a:ext uri="{FF2B5EF4-FFF2-40B4-BE49-F238E27FC236}">
-                <a16:creationId xmlns:a16="http://schemas.microsoft.com/office/drawing/2014/main" id="{51A84E76-0761-CEF7-6ECF-AC6231FD93E9}"/>
+                <a16:creationId xmlns:a16="http://schemas.microsoft.com/office/drawing/2014/main" id="{E05543EE-29CB-EE17-2383-4F739B3519CC}"/>
               </a:ext>
             </a:extLst>
           </p:cNvPr>
@@ -642,7 +642,7 @@
           <p:cNvPr id="4" name="日期占位符 3">
             <a:extLst>
               <a:ext uri="{FF2B5EF4-FFF2-40B4-BE49-F238E27FC236}">
-                <a16:creationId xmlns:a16="http://schemas.microsoft.com/office/drawing/2014/main" id="{88767F56-9215-CBD2-8FA6-AB5AA86F320A}"/>
+                <a16:creationId xmlns:a16="http://schemas.microsoft.com/office/drawing/2014/main" id="{C04A01AC-3644-3992-78A6-721CD9A03B40}"/>
               </a:ext>
             </a:extLst>
           </p:cNvPr>
@@ -658,7 +658,7 @@
           <a:bodyPr/>
           <a:lstStyle/>
           <a:p>
-            <a:fld id="{8EE44558-BB0D-437F-9AB7-CEAA61DCB975}" type="datetimeFigureOut">
+            <a:fld id="{B9D9CBDF-131C-4F04-A853-DDA220237963}" type="datetimeFigureOut">
               <a:rPr lang="zh-CN" altLang="en-US" smtClean="0"/>
               <a:t>2024/3/10</a:t>
             </a:fld>
@@ -671,7 +671,7 @@
           <p:cNvPr id="5" name="页脚占位符 4">
             <a:extLst>
               <a:ext uri="{FF2B5EF4-FFF2-40B4-BE49-F238E27FC236}">
-                <a16:creationId xmlns:a16="http://schemas.microsoft.com/office/drawing/2014/main" id="{5555FB24-52E3-8454-924A-98227E931343}"/>
+                <a16:creationId xmlns:a16="http://schemas.microsoft.com/office/drawing/2014/main" id="{0B6C81C0-3C79-824B-FACE-ED663F85DD22}"/>
               </a:ext>
             </a:extLst>
           </p:cNvPr>
@@ -696,7 +696,7 @@
           <p:cNvPr id="6" name="灯片编号占位符 5">
             <a:extLst>
               <a:ext uri="{FF2B5EF4-FFF2-40B4-BE49-F238E27FC236}">
-                <a16:creationId xmlns:a16="http://schemas.microsoft.com/office/drawing/2014/main" id="{6F0F58A4-7278-AC77-3345-A7E552687AA4}"/>
+                <a16:creationId xmlns:a16="http://schemas.microsoft.com/office/drawing/2014/main" id="{0A3BC57B-351F-B9E5-08D5-6BC10C3C1926}"/>
               </a:ext>
             </a:extLst>
           </p:cNvPr>
@@ -712,7 +712,7 @@
           <a:bodyPr/>
           <a:lstStyle/>
           <a:p>
-            <a:fld id="{B1560356-E4EE-49CA-9A03-435262E6FF4B}" type="slidenum">
+            <a:fld id="{CBF4BDDB-C9E2-40DD-8263-4E1703170D5B}" type="slidenum">
               <a:rPr lang="zh-CN" altLang="en-US" smtClean="0"/>
               <a:t>‹#›</a:t>
             </a:fld>
@@ -723,7 +723,7 @@
     </p:spTree>
     <p:extLst>
       <p:ext uri="{BB962C8B-B14F-4D97-AF65-F5344CB8AC3E}">
-        <p14:creationId xmlns:p14="http://schemas.microsoft.com/office/powerpoint/2010/main" val="1448004876"/>
+        <p14:creationId xmlns:p14="http://schemas.microsoft.com/office/powerpoint/2010/main" val="1658608893"/>
       </p:ext>
     </p:extLst>
   </p:cSld>
@@ -755,7 +755,7 @@
           <p:cNvPr id="2" name="标题 1">
             <a:extLst>
               <a:ext uri="{FF2B5EF4-FFF2-40B4-BE49-F238E27FC236}">
-                <a16:creationId xmlns:a16="http://schemas.microsoft.com/office/drawing/2014/main" id="{AF4CDF6E-C293-88E1-4D58-05190BFA2F30}"/>
+                <a16:creationId xmlns:a16="http://schemas.microsoft.com/office/drawing/2014/main" id="{C5581B9C-1A40-FED9-2295-49FBC00DC1A1}"/>
               </a:ext>
             </a:extLst>
           </p:cNvPr>
@@ -783,7 +783,7 @@
           <p:cNvPr id="3" name="内容占位符 2">
             <a:extLst>
               <a:ext uri="{FF2B5EF4-FFF2-40B4-BE49-F238E27FC236}">
-                <a16:creationId xmlns:a16="http://schemas.microsoft.com/office/drawing/2014/main" id="{0BFAC92D-4EED-8275-2749-2B37563CDCB5}"/>
+                <a16:creationId xmlns:a16="http://schemas.microsoft.com/office/drawing/2014/main" id="{4A7A957B-CFBA-F9AC-9409-CC99F6A6EEC0}"/>
               </a:ext>
             </a:extLst>
           </p:cNvPr>
@@ -840,7 +840,7 @@
           <p:cNvPr id="4" name="日期占位符 3">
             <a:extLst>
               <a:ext uri="{FF2B5EF4-FFF2-40B4-BE49-F238E27FC236}">
-                <a16:creationId xmlns:a16="http://schemas.microsoft.com/office/drawing/2014/main" id="{D3294C9E-1744-B8D8-44DF-46266E1D382D}"/>
+                <a16:creationId xmlns:a16="http://schemas.microsoft.com/office/drawing/2014/main" id="{CE9D7D63-5B61-7A17-1D20-0D24A1622E6B}"/>
               </a:ext>
             </a:extLst>
           </p:cNvPr>
@@ -856,7 +856,7 @@
           <a:bodyPr/>
           <a:lstStyle/>
           <a:p>
-            <a:fld id="{8EE44558-BB0D-437F-9AB7-CEAA61DCB975}" type="datetimeFigureOut">
+            <a:fld id="{B9D9CBDF-131C-4F04-A853-DDA220237963}" type="datetimeFigureOut">
               <a:rPr lang="zh-CN" altLang="en-US" smtClean="0"/>
               <a:t>2024/3/10</a:t>
             </a:fld>
@@ -869,7 +869,7 @@
           <p:cNvPr id="5" name="页脚占位符 4">
             <a:extLst>
               <a:ext uri="{FF2B5EF4-FFF2-40B4-BE49-F238E27FC236}">
-                <a16:creationId xmlns:a16="http://schemas.microsoft.com/office/drawing/2014/main" id="{8881A4F8-18DD-25C3-2352-A04579ECE40F}"/>
+                <a16:creationId xmlns:a16="http://schemas.microsoft.com/office/drawing/2014/main" id="{BA5090A2-C15B-ADF3-E7A8-8E5913846FDD}"/>
               </a:ext>
             </a:extLst>
           </p:cNvPr>
@@ -894,7 +894,7 @@
           <p:cNvPr id="6" name="灯片编号占位符 5">
             <a:extLst>
               <a:ext uri="{FF2B5EF4-FFF2-40B4-BE49-F238E27FC236}">
-                <a16:creationId xmlns:a16="http://schemas.microsoft.com/office/drawing/2014/main" id="{7000FC6F-882A-A055-30BD-9E88EA94248B}"/>
+                <a16:creationId xmlns:a16="http://schemas.microsoft.com/office/drawing/2014/main" id="{80CDD956-DD76-62C4-677F-A73431525943}"/>
               </a:ext>
             </a:extLst>
           </p:cNvPr>
@@ -910,7 +910,7 @@
           <a:bodyPr/>
           <a:lstStyle/>
           <a:p>
-            <a:fld id="{B1560356-E4EE-49CA-9A03-435262E6FF4B}" type="slidenum">
+            <a:fld id="{CBF4BDDB-C9E2-40DD-8263-4E1703170D5B}" type="slidenum">
               <a:rPr lang="zh-CN" altLang="en-US" smtClean="0"/>
               <a:t>‹#›</a:t>
             </a:fld>
@@ -921,7 +921,7 @@
     </p:spTree>
     <p:extLst>
       <p:ext uri="{BB962C8B-B14F-4D97-AF65-F5344CB8AC3E}">
-        <p14:creationId xmlns:p14="http://schemas.microsoft.com/office/powerpoint/2010/main" val="1666048515"/>
+        <p14:creationId xmlns:p14="http://schemas.microsoft.com/office/powerpoint/2010/main" val="4107566783"/>
       </p:ext>
     </p:extLst>
   </p:cSld>
@@ -953,7 +953,7 @@
           <p:cNvPr id="2" name="标题 1">
             <a:extLst>
               <a:ext uri="{FF2B5EF4-FFF2-40B4-BE49-F238E27FC236}">
-                <a16:creationId xmlns:a16="http://schemas.microsoft.com/office/drawing/2014/main" id="{DC05ECE8-73C4-12EF-B61D-F8158C676F44}"/>
+                <a16:creationId xmlns:a16="http://schemas.microsoft.com/office/drawing/2014/main" id="{E3156779-B608-E40E-1679-76B7C53F5A7D}"/>
               </a:ext>
             </a:extLst>
           </p:cNvPr>
@@ -990,7 +990,7 @@
           <p:cNvPr id="3" name="文本占位符 2">
             <a:extLst>
               <a:ext uri="{FF2B5EF4-FFF2-40B4-BE49-F238E27FC236}">
-                <a16:creationId xmlns:a16="http://schemas.microsoft.com/office/drawing/2014/main" id="{B215295C-236C-4EAE-6D2D-46498417DD3B}"/>
+                <a16:creationId xmlns:a16="http://schemas.microsoft.com/office/drawing/2014/main" id="{C5AA4F1C-B3A3-63A7-2D3B-C9E77F710017}"/>
               </a:ext>
             </a:extLst>
           </p:cNvPr>
@@ -1115,7 +1115,7 @@
           <p:cNvPr id="4" name="日期占位符 3">
             <a:extLst>
               <a:ext uri="{FF2B5EF4-FFF2-40B4-BE49-F238E27FC236}">
-                <a16:creationId xmlns:a16="http://schemas.microsoft.com/office/drawing/2014/main" id="{0C77B261-E01A-CC86-6235-DF338062D8FA}"/>
+                <a16:creationId xmlns:a16="http://schemas.microsoft.com/office/drawing/2014/main" id="{ABBA9D11-EC1F-0815-3D14-6BDB92BFAE8D}"/>
               </a:ext>
             </a:extLst>
           </p:cNvPr>
@@ -1131,7 +1131,7 @@
           <a:bodyPr/>
           <a:lstStyle/>
           <a:p>
-            <a:fld id="{8EE44558-BB0D-437F-9AB7-CEAA61DCB975}" type="datetimeFigureOut">
+            <a:fld id="{B9D9CBDF-131C-4F04-A853-DDA220237963}" type="datetimeFigureOut">
               <a:rPr lang="zh-CN" altLang="en-US" smtClean="0"/>
               <a:t>2024/3/10</a:t>
             </a:fld>
@@ -1144,7 +1144,7 @@
           <p:cNvPr id="5" name="页脚占位符 4">
             <a:extLst>
               <a:ext uri="{FF2B5EF4-FFF2-40B4-BE49-F238E27FC236}">
-                <a16:creationId xmlns:a16="http://schemas.microsoft.com/office/drawing/2014/main" id="{88062E74-9047-CCE4-B908-20E991A1A794}"/>
+                <a16:creationId xmlns:a16="http://schemas.microsoft.com/office/drawing/2014/main" id="{039C91BD-3E54-FA00-6E8A-12D162A896CA}"/>
               </a:ext>
             </a:extLst>
           </p:cNvPr>
@@ -1169,7 +1169,7 @@
           <p:cNvPr id="6" name="灯片编号占位符 5">
             <a:extLst>
               <a:ext uri="{FF2B5EF4-FFF2-40B4-BE49-F238E27FC236}">
-                <a16:creationId xmlns:a16="http://schemas.microsoft.com/office/drawing/2014/main" id="{35C18B51-BD2A-258E-54CD-18A9927B3385}"/>
+                <a16:creationId xmlns:a16="http://schemas.microsoft.com/office/drawing/2014/main" id="{1682D873-DA15-6764-B31B-E2E212F2B3A9}"/>
               </a:ext>
             </a:extLst>
           </p:cNvPr>
@@ -1185,7 +1185,7 @@
           <a:bodyPr/>
           <a:lstStyle/>
           <a:p>
-            <a:fld id="{B1560356-E4EE-49CA-9A03-435262E6FF4B}" type="slidenum">
+            <a:fld id="{CBF4BDDB-C9E2-40DD-8263-4E1703170D5B}" type="slidenum">
               <a:rPr lang="zh-CN" altLang="en-US" smtClean="0"/>
               <a:t>‹#›</a:t>
             </a:fld>
@@ -1196,7 +1196,7 @@
     </p:spTree>
     <p:extLst>
       <p:ext uri="{BB962C8B-B14F-4D97-AF65-F5344CB8AC3E}">
-        <p14:creationId xmlns:p14="http://schemas.microsoft.com/office/powerpoint/2010/main" val="2147355153"/>
+        <p14:creationId xmlns:p14="http://schemas.microsoft.com/office/powerpoint/2010/main" val="168145858"/>
       </p:ext>
     </p:extLst>
   </p:cSld>
@@ -1228,7 +1228,7 @@
           <p:cNvPr id="2" name="标题 1">
             <a:extLst>
               <a:ext uri="{FF2B5EF4-FFF2-40B4-BE49-F238E27FC236}">
-                <a16:creationId xmlns:a16="http://schemas.microsoft.com/office/drawing/2014/main" id="{DC8A50BC-E799-C39F-5A71-58730BEA27B3}"/>
+                <a16:creationId xmlns:a16="http://schemas.microsoft.com/office/drawing/2014/main" id="{A64F4C5B-6B38-69BE-F7A8-93C867DDAA11}"/>
               </a:ext>
             </a:extLst>
           </p:cNvPr>
@@ -1256,7 +1256,7 @@
           <p:cNvPr id="3" name="内容占位符 2">
             <a:extLst>
               <a:ext uri="{FF2B5EF4-FFF2-40B4-BE49-F238E27FC236}">
-                <a16:creationId xmlns:a16="http://schemas.microsoft.com/office/drawing/2014/main" id="{6FACAB63-548C-B9CA-86AC-97070B6293D4}"/>
+                <a16:creationId xmlns:a16="http://schemas.microsoft.com/office/drawing/2014/main" id="{5CD76EA8-424C-73E7-5091-3F3237B1D6B6}"/>
               </a:ext>
             </a:extLst>
           </p:cNvPr>
@@ -1318,7 +1318,7 @@
           <p:cNvPr id="4" name="内容占位符 3">
             <a:extLst>
               <a:ext uri="{FF2B5EF4-FFF2-40B4-BE49-F238E27FC236}">
-                <a16:creationId xmlns:a16="http://schemas.microsoft.com/office/drawing/2014/main" id="{7405110B-2E70-BAAA-DF9B-14EF2A5F748B}"/>
+                <a16:creationId xmlns:a16="http://schemas.microsoft.com/office/drawing/2014/main" id="{E9A0FCDD-76BE-F25B-9A6A-0742D7BD12FF}"/>
               </a:ext>
             </a:extLst>
           </p:cNvPr>
@@ -1380,7 +1380,7 @@
           <p:cNvPr id="5" name="日期占位符 4">
             <a:extLst>
               <a:ext uri="{FF2B5EF4-FFF2-40B4-BE49-F238E27FC236}">
-                <a16:creationId xmlns:a16="http://schemas.microsoft.com/office/drawing/2014/main" id="{ADB9C056-5BC8-ECA0-3274-BD27E75EDEB0}"/>
+                <a16:creationId xmlns:a16="http://schemas.microsoft.com/office/drawing/2014/main" id="{9DAA0833-E416-A9EC-05DF-DD9CE0540B74}"/>
               </a:ext>
             </a:extLst>
           </p:cNvPr>
@@ -1396,7 +1396,7 @@
           <a:bodyPr/>
           <a:lstStyle/>
           <a:p>
-            <a:fld id="{8EE44558-BB0D-437F-9AB7-CEAA61DCB975}" type="datetimeFigureOut">
+            <a:fld id="{B9D9CBDF-131C-4F04-A853-DDA220237963}" type="datetimeFigureOut">
               <a:rPr lang="zh-CN" altLang="en-US" smtClean="0"/>
               <a:t>2024/3/10</a:t>
             </a:fld>
@@ -1409,7 +1409,7 @@
           <p:cNvPr id="6" name="页脚占位符 5">
             <a:extLst>
               <a:ext uri="{FF2B5EF4-FFF2-40B4-BE49-F238E27FC236}">
-                <a16:creationId xmlns:a16="http://schemas.microsoft.com/office/drawing/2014/main" id="{70F23B94-7B76-17C4-9FAE-9A5997AF5FEB}"/>
+                <a16:creationId xmlns:a16="http://schemas.microsoft.com/office/drawing/2014/main" id="{38573990-7766-4738-F432-0336F584FD59}"/>
               </a:ext>
             </a:extLst>
           </p:cNvPr>
@@ -1434,7 +1434,7 @@
           <p:cNvPr id="7" name="灯片编号占位符 6">
             <a:extLst>
               <a:ext uri="{FF2B5EF4-FFF2-40B4-BE49-F238E27FC236}">
-                <a16:creationId xmlns:a16="http://schemas.microsoft.com/office/drawing/2014/main" id="{4C566A99-4167-C73B-F07E-1555B03468B0}"/>
+                <a16:creationId xmlns:a16="http://schemas.microsoft.com/office/drawing/2014/main" id="{DC3BF43D-1781-9174-AE57-E2E3BC1035F3}"/>
               </a:ext>
             </a:extLst>
           </p:cNvPr>
@@ -1450,7 +1450,7 @@
           <a:bodyPr/>
           <a:lstStyle/>
           <a:p>
-            <a:fld id="{B1560356-E4EE-49CA-9A03-435262E6FF4B}" type="slidenum">
+            <a:fld id="{CBF4BDDB-C9E2-40DD-8263-4E1703170D5B}" type="slidenum">
               <a:rPr lang="zh-CN" altLang="en-US" smtClean="0"/>
               <a:t>‹#›</a:t>
             </a:fld>
@@ -1461,7 +1461,7 @@
     </p:spTree>
     <p:extLst>
       <p:ext uri="{BB962C8B-B14F-4D97-AF65-F5344CB8AC3E}">
-        <p14:creationId xmlns:p14="http://schemas.microsoft.com/office/powerpoint/2010/main" val="1797889330"/>
+        <p14:creationId xmlns:p14="http://schemas.microsoft.com/office/powerpoint/2010/main" val="189200011"/>
       </p:ext>
     </p:extLst>
   </p:cSld>
@@ -1493,7 +1493,7 @@
           <p:cNvPr id="2" name="标题 1">
             <a:extLst>
               <a:ext uri="{FF2B5EF4-FFF2-40B4-BE49-F238E27FC236}">
-                <a16:creationId xmlns:a16="http://schemas.microsoft.com/office/drawing/2014/main" id="{675940ED-18C4-B822-42FE-D8B177BB1F21}"/>
+                <a16:creationId xmlns:a16="http://schemas.microsoft.com/office/drawing/2014/main" id="{7B8B5733-28E1-981A-4B13-48769AEC851F}"/>
               </a:ext>
             </a:extLst>
           </p:cNvPr>
@@ -1526,7 +1526,7 @@
           <p:cNvPr id="3" name="文本占位符 2">
             <a:extLst>
               <a:ext uri="{FF2B5EF4-FFF2-40B4-BE49-F238E27FC236}">
-                <a16:creationId xmlns:a16="http://schemas.microsoft.com/office/drawing/2014/main" id="{CFBC6D56-B098-B39A-58BE-72A5361C8DF6}"/>
+                <a16:creationId xmlns:a16="http://schemas.microsoft.com/office/drawing/2014/main" id="{E2233A9D-E2BC-23EF-17E1-A03464D1B8BC}"/>
               </a:ext>
             </a:extLst>
           </p:cNvPr>
@@ -1597,7 +1597,7 @@
           <p:cNvPr id="4" name="内容占位符 3">
             <a:extLst>
               <a:ext uri="{FF2B5EF4-FFF2-40B4-BE49-F238E27FC236}">
-                <a16:creationId xmlns:a16="http://schemas.microsoft.com/office/drawing/2014/main" id="{8587ABF2-E0B3-2DC1-BC41-D79416E90483}"/>
+                <a16:creationId xmlns:a16="http://schemas.microsoft.com/office/drawing/2014/main" id="{33074B29-C3BC-F2AC-E9EE-68F16C14F8EA}"/>
               </a:ext>
             </a:extLst>
           </p:cNvPr>
@@ -1659,7 +1659,7 @@
           <p:cNvPr id="5" name="文本占位符 4">
             <a:extLst>
               <a:ext uri="{FF2B5EF4-FFF2-40B4-BE49-F238E27FC236}">
-                <a16:creationId xmlns:a16="http://schemas.microsoft.com/office/drawing/2014/main" id="{EF304F91-7CFB-370B-F4E8-80A559132F80}"/>
+                <a16:creationId xmlns:a16="http://schemas.microsoft.com/office/drawing/2014/main" id="{85A4CD5C-5C31-C752-C297-4743B7E53412}"/>
               </a:ext>
             </a:extLst>
           </p:cNvPr>
@@ -1730,7 +1730,7 @@
           <p:cNvPr id="6" name="内容占位符 5">
             <a:extLst>
               <a:ext uri="{FF2B5EF4-FFF2-40B4-BE49-F238E27FC236}">
-                <a16:creationId xmlns:a16="http://schemas.microsoft.com/office/drawing/2014/main" id="{1C345F24-E944-4DC0-22E1-87129F7C77E6}"/>
+                <a16:creationId xmlns:a16="http://schemas.microsoft.com/office/drawing/2014/main" id="{EF815F63-AC44-08BA-4182-46A4139D95C4}"/>
               </a:ext>
             </a:extLst>
           </p:cNvPr>
@@ -1792,7 +1792,7 @@
           <p:cNvPr id="7" name="日期占位符 6">
             <a:extLst>
               <a:ext uri="{FF2B5EF4-FFF2-40B4-BE49-F238E27FC236}">
-                <a16:creationId xmlns:a16="http://schemas.microsoft.com/office/drawing/2014/main" id="{52BB5DDC-6C16-2372-6C09-F1B3642D438D}"/>
+                <a16:creationId xmlns:a16="http://schemas.microsoft.com/office/drawing/2014/main" id="{2BDE22B5-47B1-B324-04F9-E13CD32266CE}"/>
               </a:ext>
             </a:extLst>
           </p:cNvPr>
@@ -1808,7 +1808,7 @@
           <a:bodyPr/>
           <a:lstStyle/>
           <a:p>
-            <a:fld id="{8EE44558-BB0D-437F-9AB7-CEAA61DCB975}" type="datetimeFigureOut">
+            <a:fld id="{B9D9CBDF-131C-4F04-A853-DDA220237963}" type="datetimeFigureOut">
               <a:rPr lang="zh-CN" altLang="en-US" smtClean="0"/>
               <a:t>2024/3/10</a:t>
             </a:fld>
@@ -1821,7 +1821,7 @@
           <p:cNvPr id="8" name="页脚占位符 7">
             <a:extLst>
               <a:ext uri="{FF2B5EF4-FFF2-40B4-BE49-F238E27FC236}">
-                <a16:creationId xmlns:a16="http://schemas.microsoft.com/office/drawing/2014/main" id="{0535365B-B8A3-A399-82BB-82160DBF840E}"/>
+                <a16:creationId xmlns:a16="http://schemas.microsoft.com/office/drawing/2014/main" id="{8D8C076E-9DFF-148B-B8C3-239B7A3F261D}"/>
               </a:ext>
             </a:extLst>
           </p:cNvPr>
@@ -1846,7 +1846,7 @@
           <p:cNvPr id="9" name="灯片编号占位符 8">
             <a:extLst>
               <a:ext uri="{FF2B5EF4-FFF2-40B4-BE49-F238E27FC236}">
-                <a16:creationId xmlns:a16="http://schemas.microsoft.com/office/drawing/2014/main" id="{FD18D876-FBB6-38A2-B3D7-AD2DE037A659}"/>
+                <a16:creationId xmlns:a16="http://schemas.microsoft.com/office/drawing/2014/main" id="{E7A6C0BA-E4A0-ACCE-10D2-3ADACB148692}"/>
               </a:ext>
             </a:extLst>
           </p:cNvPr>
@@ -1862,7 +1862,7 @@
           <a:bodyPr/>
           <a:lstStyle/>
           <a:p>
-            <a:fld id="{B1560356-E4EE-49CA-9A03-435262E6FF4B}" type="slidenum">
+            <a:fld id="{CBF4BDDB-C9E2-40DD-8263-4E1703170D5B}" type="slidenum">
               <a:rPr lang="zh-CN" altLang="en-US" smtClean="0"/>
               <a:t>‹#›</a:t>
             </a:fld>
@@ -1873,7 +1873,7 @@
     </p:spTree>
     <p:extLst>
       <p:ext uri="{BB962C8B-B14F-4D97-AF65-F5344CB8AC3E}">
-        <p14:creationId xmlns:p14="http://schemas.microsoft.com/office/powerpoint/2010/main" val="1737643205"/>
+        <p14:creationId xmlns:p14="http://schemas.microsoft.com/office/powerpoint/2010/main" val="2880792282"/>
       </p:ext>
     </p:extLst>
   </p:cSld>
@@ -1905,7 +1905,7 @@
           <p:cNvPr id="2" name="标题 1">
             <a:extLst>
               <a:ext uri="{FF2B5EF4-FFF2-40B4-BE49-F238E27FC236}">
-                <a16:creationId xmlns:a16="http://schemas.microsoft.com/office/drawing/2014/main" id="{BD626DF3-7380-1686-1A91-AA6BB63620F5}"/>
+                <a16:creationId xmlns:a16="http://schemas.microsoft.com/office/drawing/2014/main" id="{0A3C562C-1C1E-702A-AADA-A1D9E33BBE57}"/>
               </a:ext>
             </a:extLst>
           </p:cNvPr>
@@ -1933,7 +1933,7 @@
           <p:cNvPr id="3" name="日期占位符 2">
             <a:extLst>
               <a:ext uri="{FF2B5EF4-FFF2-40B4-BE49-F238E27FC236}">
-                <a16:creationId xmlns:a16="http://schemas.microsoft.com/office/drawing/2014/main" id="{40C0912B-72B1-3F59-EBA1-B1FF0A132622}"/>
+                <a16:creationId xmlns:a16="http://schemas.microsoft.com/office/drawing/2014/main" id="{DEC76A50-24D5-7481-5A77-ADED479300AF}"/>
               </a:ext>
             </a:extLst>
           </p:cNvPr>
@@ -1949,7 +1949,7 @@
           <a:bodyPr/>
           <a:lstStyle/>
           <a:p>
-            <a:fld id="{8EE44558-BB0D-437F-9AB7-CEAA61DCB975}" type="datetimeFigureOut">
+            <a:fld id="{B9D9CBDF-131C-4F04-A853-DDA220237963}" type="datetimeFigureOut">
               <a:rPr lang="zh-CN" altLang="en-US" smtClean="0"/>
               <a:t>2024/3/10</a:t>
             </a:fld>
@@ -1962,7 +1962,7 @@
           <p:cNvPr id="4" name="页脚占位符 3">
             <a:extLst>
               <a:ext uri="{FF2B5EF4-FFF2-40B4-BE49-F238E27FC236}">
-                <a16:creationId xmlns:a16="http://schemas.microsoft.com/office/drawing/2014/main" id="{BE013B98-E1A5-BFF7-6E40-2A0C82A6D641}"/>
+                <a16:creationId xmlns:a16="http://schemas.microsoft.com/office/drawing/2014/main" id="{3361245F-BC6E-2C3F-4D06-E6A6F482989E}"/>
               </a:ext>
             </a:extLst>
           </p:cNvPr>
@@ -1987,7 +1987,7 @@
           <p:cNvPr id="5" name="灯片编号占位符 4">
             <a:extLst>
               <a:ext uri="{FF2B5EF4-FFF2-40B4-BE49-F238E27FC236}">
-                <a16:creationId xmlns:a16="http://schemas.microsoft.com/office/drawing/2014/main" id="{D695B137-1461-FC06-847D-7A2D565FB8AE}"/>
+                <a16:creationId xmlns:a16="http://schemas.microsoft.com/office/drawing/2014/main" id="{34BA4E66-338E-61F7-106A-C2DA52E75100}"/>
               </a:ext>
             </a:extLst>
           </p:cNvPr>
@@ -2003,7 +2003,7 @@
           <a:bodyPr/>
           <a:lstStyle/>
           <a:p>
-            <a:fld id="{B1560356-E4EE-49CA-9A03-435262E6FF4B}" type="slidenum">
+            <a:fld id="{CBF4BDDB-C9E2-40DD-8263-4E1703170D5B}" type="slidenum">
               <a:rPr lang="zh-CN" altLang="en-US" smtClean="0"/>
               <a:t>‹#›</a:t>
             </a:fld>
@@ -2014,7 +2014,7 @@
     </p:spTree>
     <p:extLst>
       <p:ext uri="{BB962C8B-B14F-4D97-AF65-F5344CB8AC3E}">
-        <p14:creationId xmlns:p14="http://schemas.microsoft.com/office/powerpoint/2010/main" val="699516746"/>
+        <p14:creationId xmlns:p14="http://schemas.microsoft.com/office/powerpoint/2010/main" val="2937743592"/>
       </p:ext>
     </p:extLst>
   </p:cSld>
@@ -2046,7 +2046,7 @@
           <p:cNvPr id="2" name="日期占位符 1">
             <a:extLst>
               <a:ext uri="{FF2B5EF4-FFF2-40B4-BE49-F238E27FC236}">
-                <a16:creationId xmlns:a16="http://schemas.microsoft.com/office/drawing/2014/main" id="{CC185AFF-EA05-B28A-77DD-321E5BD27324}"/>
+                <a16:creationId xmlns:a16="http://schemas.microsoft.com/office/drawing/2014/main" id="{B71DB4CB-E03A-F7FA-AF03-5E91D55FE9D0}"/>
               </a:ext>
             </a:extLst>
           </p:cNvPr>
@@ -2062,7 +2062,7 @@
           <a:bodyPr/>
           <a:lstStyle/>
           <a:p>
-            <a:fld id="{8EE44558-BB0D-437F-9AB7-CEAA61DCB975}" type="datetimeFigureOut">
+            <a:fld id="{B9D9CBDF-131C-4F04-A853-DDA220237963}" type="datetimeFigureOut">
               <a:rPr lang="zh-CN" altLang="en-US" smtClean="0"/>
               <a:t>2024/3/10</a:t>
             </a:fld>
@@ -2075,7 +2075,7 @@
           <p:cNvPr id="3" name="页脚占位符 2">
             <a:extLst>
               <a:ext uri="{FF2B5EF4-FFF2-40B4-BE49-F238E27FC236}">
-                <a16:creationId xmlns:a16="http://schemas.microsoft.com/office/drawing/2014/main" id="{03FA65EF-A165-3E8E-D5DA-80339A208D12}"/>
+                <a16:creationId xmlns:a16="http://schemas.microsoft.com/office/drawing/2014/main" id="{3F3F6D8A-4330-37F4-36F2-5507403E4D96}"/>
               </a:ext>
             </a:extLst>
           </p:cNvPr>
@@ -2100,7 +2100,7 @@
           <p:cNvPr id="4" name="灯片编号占位符 3">
             <a:extLst>
               <a:ext uri="{FF2B5EF4-FFF2-40B4-BE49-F238E27FC236}">
-                <a16:creationId xmlns:a16="http://schemas.microsoft.com/office/drawing/2014/main" id="{B2CFDFA5-BF2F-3AB1-B007-0A9B7447E059}"/>
+                <a16:creationId xmlns:a16="http://schemas.microsoft.com/office/drawing/2014/main" id="{18436D32-144F-BE7D-0B1B-DC02FC27C997}"/>
               </a:ext>
             </a:extLst>
           </p:cNvPr>
@@ -2116,7 +2116,7 @@
           <a:bodyPr/>
           <a:lstStyle/>
           <a:p>
-            <a:fld id="{B1560356-E4EE-49CA-9A03-435262E6FF4B}" type="slidenum">
+            <a:fld id="{CBF4BDDB-C9E2-40DD-8263-4E1703170D5B}" type="slidenum">
               <a:rPr lang="zh-CN" altLang="en-US" smtClean="0"/>
               <a:t>‹#›</a:t>
             </a:fld>
@@ -2127,7 +2127,7 @@
     </p:spTree>
     <p:extLst>
       <p:ext uri="{BB962C8B-B14F-4D97-AF65-F5344CB8AC3E}">
-        <p14:creationId xmlns:p14="http://schemas.microsoft.com/office/powerpoint/2010/main" val="1949536718"/>
+        <p14:creationId xmlns:p14="http://schemas.microsoft.com/office/powerpoint/2010/main" val="4108073700"/>
       </p:ext>
     </p:extLst>
   </p:cSld>
@@ -2159,7 +2159,7 @@
           <p:cNvPr id="2" name="标题 1">
             <a:extLst>
               <a:ext uri="{FF2B5EF4-FFF2-40B4-BE49-F238E27FC236}">
-                <a16:creationId xmlns:a16="http://schemas.microsoft.com/office/drawing/2014/main" id="{8C717F14-1BB2-7B9D-391F-5A031EFD7E03}"/>
+                <a16:creationId xmlns:a16="http://schemas.microsoft.com/office/drawing/2014/main" id="{733179C4-3C2A-C142-D1D1-2E7C2CE60CC8}"/>
               </a:ext>
             </a:extLst>
           </p:cNvPr>
@@ -2196,7 +2196,7 @@
           <p:cNvPr id="3" name="内容占位符 2">
             <a:extLst>
               <a:ext uri="{FF2B5EF4-FFF2-40B4-BE49-F238E27FC236}">
-                <a16:creationId xmlns:a16="http://schemas.microsoft.com/office/drawing/2014/main" id="{26866E28-9715-8E9F-47EE-603D592D290D}"/>
+                <a16:creationId xmlns:a16="http://schemas.microsoft.com/office/drawing/2014/main" id="{DA9CDB65-1C80-585C-DE51-0BEB437EC1FB}"/>
               </a:ext>
             </a:extLst>
           </p:cNvPr>
@@ -2286,7 +2286,7 @@
           <p:cNvPr id="4" name="文本占位符 3">
             <a:extLst>
               <a:ext uri="{FF2B5EF4-FFF2-40B4-BE49-F238E27FC236}">
-                <a16:creationId xmlns:a16="http://schemas.microsoft.com/office/drawing/2014/main" id="{59304971-F70F-C71E-DAB2-B839C6E5F1C5}"/>
+                <a16:creationId xmlns:a16="http://schemas.microsoft.com/office/drawing/2014/main" id="{CCD1A2A1-2AA3-3918-E159-50B0447DD66B}"/>
               </a:ext>
             </a:extLst>
           </p:cNvPr>
@@ -2357,7 +2357,7 @@
           <p:cNvPr id="5" name="日期占位符 4">
             <a:extLst>
               <a:ext uri="{FF2B5EF4-FFF2-40B4-BE49-F238E27FC236}">
-                <a16:creationId xmlns:a16="http://schemas.microsoft.com/office/drawing/2014/main" id="{BF129511-1210-DDFE-C875-07616E2C9AB7}"/>
+                <a16:creationId xmlns:a16="http://schemas.microsoft.com/office/drawing/2014/main" id="{0149B4A6-C8B3-A88F-0BBD-2167A03CB2C5}"/>
               </a:ext>
             </a:extLst>
           </p:cNvPr>
@@ -2373,7 +2373,7 @@
           <a:bodyPr/>
           <a:lstStyle/>
           <a:p>
-            <a:fld id="{8EE44558-BB0D-437F-9AB7-CEAA61DCB975}" type="datetimeFigureOut">
+            <a:fld id="{B9D9CBDF-131C-4F04-A853-DDA220237963}" type="datetimeFigureOut">
               <a:rPr lang="zh-CN" altLang="en-US" smtClean="0"/>
               <a:t>2024/3/10</a:t>
             </a:fld>
@@ -2386,7 +2386,7 @@
           <p:cNvPr id="6" name="页脚占位符 5">
             <a:extLst>
               <a:ext uri="{FF2B5EF4-FFF2-40B4-BE49-F238E27FC236}">
-                <a16:creationId xmlns:a16="http://schemas.microsoft.com/office/drawing/2014/main" id="{73E81C7B-F500-ED80-B237-B3FA5532FBA8}"/>
+                <a16:creationId xmlns:a16="http://schemas.microsoft.com/office/drawing/2014/main" id="{ADFC44EB-64E6-F6F3-3383-A2008D76A477}"/>
               </a:ext>
             </a:extLst>
           </p:cNvPr>
@@ -2411,7 +2411,7 @@
           <p:cNvPr id="7" name="灯片编号占位符 6">
             <a:extLst>
               <a:ext uri="{FF2B5EF4-FFF2-40B4-BE49-F238E27FC236}">
-                <a16:creationId xmlns:a16="http://schemas.microsoft.com/office/drawing/2014/main" id="{7A020629-8C7E-D693-F7B2-D0C3BF3BCA39}"/>
+                <a16:creationId xmlns:a16="http://schemas.microsoft.com/office/drawing/2014/main" id="{4DAFEF09-5654-3BE9-A89C-5E132372E6CB}"/>
               </a:ext>
             </a:extLst>
           </p:cNvPr>
@@ -2427,7 +2427,7 @@
           <a:bodyPr/>
           <a:lstStyle/>
           <a:p>
-            <a:fld id="{B1560356-E4EE-49CA-9A03-435262E6FF4B}" type="slidenum">
+            <a:fld id="{CBF4BDDB-C9E2-40DD-8263-4E1703170D5B}" type="slidenum">
               <a:rPr lang="zh-CN" altLang="en-US" smtClean="0"/>
               <a:t>‹#›</a:t>
             </a:fld>
@@ -2438,7 +2438,7 @@
     </p:spTree>
     <p:extLst>
       <p:ext uri="{BB962C8B-B14F-4D97-AF65-F5344CB8AC3E}">
-        <p14:creationId xmlns:p14="http://schemas.microsoft.com/office/powerpoint/2010/main" val="1798370386"/>
+        <p14:creationId xmlns:p14="http://schemas.microsoft.com/office/powerpoint/2010/main" val="2148107166"/>
       </p:ext>
     </p:extLst>
   </p:cSld>
@@ -2470,7 +2470,7 @@
           <p:cNvPr id="2" name="标题 1">
             <a:extLst>
               <a:ext uri="{FF2B5EF4-FFF2-40B4-BE49-F238E27FC236}">
-                <a16:creationId xmlns:a16="http://schemas.microsoft.com/office/drawing/2014/main" id="{CAA2805D-70E4-95C1-3A26-D35209ABD8F7}"/>
+                <a16:creationId xmlns:a16="http://schemas.microsoft.com/office/drawing/2014/main" id="{74CE0848-9942-4198-DC99-29D5641A566A}"/>
               </a:ext>
             </a:extLst>
           </p:cNvPr>
@@ -2507,7 +2507,7 @@
           <p:cNvPr id="3" name="图片占位符 2">
             <a:extLst>
               <a:ext uri="{FF2B5EF4-FFF2-40B4-BE49-F238E27FC236}">
-                <a16:creationId xmlns:a16="http://schemas.microsoft.com/office/drawing/2014/main" id="{35409CC5-EA1A-BCAE-D431-1C91104F132F}"/>
+                <a16:creationId xmlns:a16="http://schemas.microsoft.com/office/drawing/2014/main" id="{830C1D0E-828E-20A4-0B1F-7B8425B0F0E3}"/>
               </a:ext>
             </a:extLst>
           </p:cNvPr>
@@ -2574,7 +2574,7 @@
           <p:cNvPr id="4" name="文本占位符 3">
             <a:extLst>
               <a:ext uri="{FF2B5EF4-FFF2-40B4-BE49-F238E27FC236}">
-                <a16:creationId xmlns:a16="http://schemas.microsoft.com/office/drawing/2014/main" id="{AAF251C8-9F92-8C14-69CE-A63A48CC3657}"/>
+                <a16:creationId xmlns:a16="http://schemas.microsoft.com/office/drawing/2014/main" id="{48B2FDC1-2558-08D4-A309-EAE74F7E6069}"/>
               </a:ext>
             </a:extLst>
           </p:cNvPr>
@@ -2645,7 +2645,7 @@
           <p:cNvPr id="5" name="日期占位符 4">
             <a:extLst>
               <a:ext uri="{FF2B5EF4-FFF2-40B4-BE49-F238E27FC236}">
-                <a16:creationId xmlns:a16="http://schemas.microsoft.com/office/drawing/2014/main" id="{97ACB087-A75A-2AC9-1842-553809F6F4F3}"/>
+                <a16:creationId xmlns:a16="http://schemas.microsoft.com/office/drawing/2014/main" id="{8D6BA5A4-C364-5379-F32C-A2CC50406F3F}"/>
               </a:ext>
             </a:extLst>
           </p:cNvPr>
@@ -2661,7 +2661,7 @@
           <a:bodyPr/>
           <a:lstStyle/>
           <a:p>
-            <a:fld id="{8EE44558-BB0D-437F-9AB7-CEAA61DCB975}" type="datetimeFigureOut">
+            <a:fld id="{B9D9CBDF-131C-4F04-A853-DDA220237963}" type="datetimeFigureOut">
               <a:rPr lang="zh-CN" altLang="en-US" smtClean="0"/>
               <a:t>2024/3/10</a:t>
             </a:fld>
@@ -2674,7 +2674,7 @@
           <p:cNvPr id="6" name="页脚占位符 5">
             <a:extLst>
               <a:ext uri="{FF2B5EF4-FFF2-40B4-BE49-F238E27FC236}">
-                <a16:creationId xmlns:a16="http://schemas.microsoft.com/office/drawing/2014/main" id="{99D1BEF6-F90B-82BA-EE19-6B5A8A83B3CB}"/>
+                <a16:creationId xmlns:a16="http://schemas.microsoft.com/office/drawing/2014/main" id="{8ACE8A20-2CA2-A0B9-1243-652F15FBB35F}"/>
               </a:ext>
             </a:extLst>
           </p:cNvPr>
@@ -2699,7 +2699,7 @@
           <p:cNvPr id="7" name="灯片编号占位符 6">
             <a:extLst>
               <a:ext uri="{FF2B5EF4-FFF2-40B4-BE49-F238E27FC236}">
-                <a16:creationId xmlns:a16="http://schemas.microsoft.com/office/drawing/2014/main" id="{876A21AB-BDF0-B44A-AE13-455EFD99E764}"/>
+                <a16:creationId xmlns:a16="http://schemas.microsoft.com/office/drawing/2014/main" id="{42518E2B-7031-F675-4054-B70B7AA5074D}"/>
               </a:ext>
             </a:extLst>
           </p:cNvPr>
@@ -2715,7 +2715,7 @@
           <a:bodyPr/>
           <a:lstStyle/>
           <a:p>
-            <a:fld id="{B1560356-E4EE-49CA-9A03-435262E6FF4B}" type="slidenum">
+            <a:fld id="{CBF4BDDB-C9E2-40DD-8263-4E1703170D5B}" type="slidenum">
               <a:rPr lang="zh-CN" altLang="en-US" smtClean="0"/>
               <a:t>‹#›</a:t>
             </a:fld>
@@ -2726,7 +2726,7 @@
     </p:spTree>
     <p:extLst>
       <p:ext uri="{BB962C8B-B14F-4D97-AF65-F5344CB8AC3E}">
-        <p14:creationId xmlns:p14="http://schemas.microsoft.com/office/powerpoint/2010/main" val="1292040474"/>
+        <p14:creationId xmlns:p14="http://schemas.microsoft.com/office/powerpoint/2010/main" val="3772245632"/>
       </p:ext>
     </p:extLst>
   </p:cSld>
@@ -2763,7 +2763,7 @@
           <p:cNvPr id="2" name="标题占位符 1">
             <a:extLst>
               <a:ext uri="{FF2B5EF4-FFF2-40B4-BE49-F238E27FC236}">
-                <a16:creationId xmlns:a16="http://schemas.microsoft.com/office/drawing/2014/main" id="{1B2A6AA0-98D4-9A13-85C8-1AEA41A23346}"/>
+                <a16:creationId xmlns:a16="http://schemas.microsoft.com/office/drawing/2014/main" id="{9FA11B42-0DEB-2742-1484-F762DF1D5D65}"/>
               </a:ext>
             </a:extLst>
           </p:cNvPr>
@@ -2801,7 +2801,7 @@
           <p:cNvPr id="3" name="文本占位符 2">
             <a:extLst>
               <a:ext uri="{FF2B5EF4-FFF2-40B4-BE49-F238E27FC236}">
-                <a16:creationId xmlns:a16="http://schemas.microsoft.com/office/drawing/2014/main" id="{1B0EF91E-FBD7-78EB-AD29-FC323F3ECFFB}"/>
+                <a16:creationId xmlns:a16="http://schemas.microsoft.com/office/drawing/2014/main" id="{31BDE804-122B-0D9A-20AB-BB31743B1C5F}"/>
               </a:ext>
             </a:extLst>
           </p:cNvPr>
@@ -2868,7 +2868,7 @@
           <p:cNvPr id="4" name="日期占位符 3">
             <a:extLst>
               <a:ext uri="{FF2B5EF4-FFF2-40B4-BE49-F238E27FC236}">
-                <a16:creationId xmlns:a16="http://schemas.microsoft.com/office/drawing/2014/main" id="{72AC789B-93E5-72CE-DBFE-7D57B726C63A}"/>
+                <a16:creationId xmlns:a16="http://schemas.microsoft.com/office/drawing/2014/main" id="{AE30AC3D-3E5E-FDAC-CD35-B9ACC940C5F3}"/>
               </a:ext>
             </a:extLst>
           </p:cNvPr>
@@ -2902,7 +2902,7 @@
             </a:lvl1pPr>
           </a:lstStyle>
           <a:p>
-            <a:fld id="{8EE44558-BB0D-437F-9AB7-CEAA61DCB975}" type="datetimeFigureOut">
+            <a:fld id="{B9D9CBDF-131C-4F04-A853-DDA220237963}" type="datetimeFigureOut">
               <a:rPr lang="zh-CN" altLang="en-US" smtClean="0"/>
               <a:t>2024/3/10</a:t>
             </a:fld>
@@ -2915,7 +2915,7 @@
           <p:cNvPr id="5" name="页脚占位符 4">
             <a:extLst>
               <a:ext uri="{FF2B5EF4-FFF2-40B4-BE49-F238E27FC236}">
-                <a16:creationId xmlns:a16="http://schemas.microsoft.com/office/drawing/2014/main" id="{FDA5E908-C085-05DC-B085-EFB55E108610}"/>
+                <a16:creationId xmlns:a16="http://schemas.microsoft.com/office/drawing/2014/main" id="{6F629AD6-9C6D-CC9E-3A6D-7FA4AF13EDC6}"/>
               </a:ext>
             </a:extLst>
           </p:cNvPr>
@@ -2958,7 +2958,7 @@
           <p:cNvPr id="6" name="灯片编号占位符 5">
             <a:extLst>
               <a:ext uri="{FF2B5EF4-FFF2-40B4-BE49-F238E27FC236}">
-                <a16:creationId xmlns:a16="http://schemas.microsoft.com/office/drawing/2014/main" id="{DD91FBB8-025A-C9B0-4A71-D062AA7EDDBF}"/>
+                <a16:creationId xmlns:a16="http://schemas.microsoft.com/office/drawing/2014/main" id="{3469A587-7FE6-F9C1-5659-4C82164045E1}"/>
               </a:ext>
             </a:extLst>
           </p:cNvPr>
@@ -2992,7 +2992,7 @@
             </a:lvl1pPr>
           </a:lstStyle>
           <a:p>
-            <a:fld id="{B1560356-E4EE-49CA-9A03-435262E6FF4B}" type="slidenum">
+            <a:fld id="{CBF4BDDB-C9E2-40DD-8263-4E1703170D5B}" type="slidenum">
               <a:rPr lang="zh-CN" altLang="en-US" smtClean="0"/>
               <a:t>‹#›</a:t>
             </a:fld>
@@ -3003,7 +3003,7 @@
     </p:spTree>
     <p:extLst>
       <p:ext uri="{BB962C8B-B14F-4D97-AF65-F5344CB8AC3E}">
-        <p14:creationId xmlns:p14="http://schemas.microsoft.com/office/powerpoint/2010/main" val="3626814623"/>
+        <p14:creationId xmlns:p14="http://schemas.microsoft.com/office/powerpoint/2010/main" val="2172454992"/>
       </p:ext>
     </p:extLst>
   </p:cSld>
